--- a/documents/Презентация по игогам 1 этапа.pptx
+++ b/documents/Презентация по игогам 1 этапа.pptx
@@ -5523,7 +5523,7 @@
         </p:nvSpPr>
         <p:spPr>
           <a:xfrm>
-            <a:off x="416617" y="2083290"/>
+            <a:off x="582872" y="2083290"/>
             <a:ext cx="11495519" cy="4273060"/>
           </a:xfrm>
         </p:spPr>
@@ -5613,11 +5613,46 @@
               <a:t>-менеджере </a:t>
             </a:r>
             <a:r>
+              <a:rPr lang="en-US" sz="2400" dirty="0" smtClean="0">
+                <a:latin typeface="Arial" panose="020B0604020202020204" pitchFamily="34" charset="0"/>
+                <a:cs typeface="Arial" panose="020B0604020202020204" pitchFamily="34" charset="0"/>
+              </a:rPr>
+              <a:t>Trello</a:t>
+            </a:r>
+            <a:r>
+              <a:rPr lang="ru-RU" sz="2400" dirty="0" smtClean="0">
+                <a:latin typeface="Arial" panose="020B0604020202020204" pitchFamily="34" charset="0"/>
+                <a:cs typeface="Arial" panose="020B0604020202020204" pitchFamily="34" charset="0"/>
+              </a:rPr>
+              <a:t>;</a:t>
+            </a:r>
+          </a:p>
+          <a:p>
+            <a:pPr>
+              <a:lnSpc>
+                <a:spcPct val="100000"/>
+              </a:lnSpc>
+            </a:pPr>
+            <a:r>
+              <a:rPr lang="ru-RU" sz="2400" dirty="0" smtClean="0">
+                <a:latin typeface="Arial" panose="020B0604020202020204" pitchFamily="34" charset="0"/>
+                <a:cs typeface="Arial" panose="020B0604020202020204" pitchFamily="34" charset="0"/>
+              </a:rPr>
+              <a:t>Первоначальный дизайн главной страницы для неавторизованного пользователя в </a:t>
+            </a:r>
+            <a:r>
+              <a:rPr lang="en-US" sz="2400" dirty="0" err="1" smtClean="0">
+                <a:latin typeface="Arial" panose="020B0604020202020204" pitchFamily="34" charset="0"/>
+                <a:cs typeface="Arial" panose="020B0604020202020204" pitchFamily="34" charset="0"/>
+              </a:rPr>
+              <a:t>Figma</a:t>
+            </a:r>
+            <a:r>
               <a:rPr lang="en-US" sz="2400" dirty="0">
                 <a:latin typeface="Arial" panose="020B0604020202020204" pitchFamily="34" charset="0"/>
                 <a:cs typeface="Arial" panose="020B0604020202020204" pitchFamily="34" charset="0"/>
               </a:rPr>
-              <a:t>Trello.</a:t>
+              <a:t>.</a:t>
             </a:r>
             <a:endParaRPr lang="ru-RU" sz="2400" dirty="0">
               <a:latin typeface="Arial" panose="020B0604020202020204" pitchFamily="34" charset="0"/>
@@ -6307,10 +6342,10 @@
                 <a:latin typeface="Arial" panose="020B0604020202020204" pitchFamily="34" charset="0"/>
                 <a:cs typeface="Arial" panose="020B0604020202020204" pitchFamily="34" charset="0"/>
               </a:rPr>
-              <a:t>Google</a:t>
-            </a:r>
-            <a:r>
-              <a:rPr lang="ru-RU" sz="2400" dirty="0">
+              <a:t>Google Chrome</a:t>
+            </a:r>
+            <a:r>
+              <a:rPr lang="ru-RU" sz="2400" dirty="0" smtClean="0">
                 <a:latin typeface="Arial" panose="020B0604020202020204" pitchFamily="34" charset="0"/>
                 <a:cs typeface="Arial" panose="020B0604020202020204" pitchFamily="34" charset="0"/>
               </a:rPr>
